--- a/ppt 16-9/0276.主必快来.pptx
+++ b/ppt 16-9/0276.主必快来.pptx
@@ -5,7 +5,7 @@
     <p:sldMasterId id="2147483648" r:id="rId1"/>
   </p:sldMasterIdLst>
   <p:sldIdLst>
-    <p:sldId id="3139" r:id="rId2"/>
+    <p:sldId id="3140" r:id="rId2"/>
   </p:sldIdLst>
   <p:sldSz cx="12192000" cy="6858000"/>
   <p:notesSz cx="6858000" cy="9144000"/>
@@ -129,7 +129,7 @@
           <p:cNvPr id="2" name="标题 1">
             <a:extLst>
               <a:ext uri="{FF2B5EF4-FFF2-40B4-BE49-F238E27FC236}">
-                <a16:creationId xmlns:a16="http://schemas.microsoft.com/office/drawing/2014/main" id="{8E77ED3A-E340-20D8-A5E1-B29D6108A0DD}"/>
+                <a16:creationId xmlns:a16="http://schemas.microsoft.com/office/drawing/2014/main" id="{960E7F39-CC92-25E6-8C74-1782BBCADFC2}"/>
               </a:ext>
             </a:extLst>
           </p:cNvPr>
@@ -166,7 +166,7 @@
           <p:cNvPr id="3" name="副标题 2">
             <a:extLst>
               <a:ext uri="{FF2B5EF4-FFF2-40B4-BE49-F238E27FC236}">
-                <a16:creationId xmlns:a16="http://schemas.microsoft.com/office/drawing/2014/main" id="{B2EA3BBE-B131-55B1-04FA-D70229C894B1}"/>
+                <a16:creationId xmlns:a16="http://schemas.microsoft.com/office/drawing/2014/main" id="{2F7734C7-0007-0C2C-758B-EB4C00D4B5C0}"/>
               </a:ext>
             </a:extLst>
           </p:cNvPr>
@@ -236,7 +236,7 @@
           <p:cNvPr id="4" name="日期占位符 3">
             <a:extLst>
               <a:ext uri="{FF2B5EF4-FFF2-40B4-BE49-F238E27FC236}">
-                <a16:creationId xmlns:a16="http://schemas.microsoft.com/office/drawing/2014/main" id="{600FEC6A-E2EA-9213-286D-2B17428D5401}"/>
+                <a16:creationId xmlns:a16="http://schemas.microsoft.com/office/drawing/2014/main" id="{90D8BBF0-1930-AB39-E3F3-72DB94154977}"/>
               </a:ext>
             </a:extLst>
           </p:cNvPr>
@@ -252,7 +252,7 @@
           <a:bodyPr/>
           <a:lstStyle/>
           <a:p>
-            <a:fld id="{80ADE870-FFA6-4B99-AFA2-22367C8C185E}" type="datetimeFigureOut">
+            <a:fld id="{A297D15C-81C0-42CE-B051-EF2DA58C8248}" type="datetimeFigureOut">
               <a:rPr lang="zh-CN" altLang="en-US" smtClean="0"/>
               <a:t>2024/3/10</a:t>
             </a:fld>
@@ -265,7 +265,7 @@
           <p:cNvPr id="5" name="页脚占位符 4">
             <a:extLst>
               <a:ext uri="{FF2B5EF4-FFF2-40B4-BE49-F238E27FC236}">
-                <a16:creationId xmlns:a16="http://schemas.microsoft.com/office/drawing/2014/main" id="{544EC097-0A3C-5480-4430-9DA7DC342326}"/>
+                <a16:creationId xmlns:a16="http://schemas.microsoft.com/office/drawing/2014/main" id="{287CA738-9B01-4F8E-3364-B89CF53D5CC3}"/>
               </a:ext>
             </a:extLst>
           </p:cNvPr>
@@ -290,7 +290,7 @@
           <p:cNvPr id="6" name="灯片编号占位符 5">
             <a:extLst>
               <a:ext uri="{FF2B5EF4-FFF2-40B4-BE49-F238E27FC236}">
-                <a16:creationId xmlns:a16="http://schemas.microsoft.com/office/drawing/2014/main" id="{450EB491-37A8-12E5-932A-5ACC3A8352D8}"/>
+                <a16:creationId xmlns:a16="http://schemas.microsoft.com/office/drawing/2014/main" id="{53891BC1-AFCF-DB65-C4EC-BE858D830921}"/>
               </a:ext>
             </a:extLst>
           </p:cNvPr>
@@ -306,7 +306,7 @@
           <a:bodyPr/>
           <a:lstStyle/>
           <a:p>
-            <a:fld id="{7843D4D4-6DEB-4559-854B-23A6C512C027}" type="slidenum">
+            <a:fld id="{33315937-2F1E-45E3-B47B-1966B4BBB08B}" type="slidenum">
               <a:rPr lang="zh-CN" altLang="en-US" smtClean="0"/>
               <a:t>‹#›</a:t>
             </a:fld>
@@ -317,7 +317,7 @@
     </p:spTree>
     <p:extLst>
       <p:ext uri="{BB962C8B-B14F-4D97-AF65-F5344CB8AC3E}">
-        <p14:creationId xmlns:p14="http://schemas.microsoft.com/office/powerpoint/2010/main" val="2143030581"/>
+        <p14:creationId xmlns:p14="http://schemas.microsoft.com/office/powerpoint/2010/main" val="2477497070"/>
       </p:ext>
     </p:extLst>
   </p:cSld>
@@ -349,7 +349,7 @@
           <p:cNvPr id="2" name="标题 1">
             <a:extLst>
               <a:ext uri="{FF2B5EF4-FFF2-40B4-BE49-F238E27FC236}">
-                <a16:creationId xmlns:a16="http://schemas.microsoft.com/office/drawing/2014/main" id="{ECE46C28-5713-9AEC-1198-A0263D0D879F}"/>
+                <a16:creationId xmlns:a16="http://schemas.microsoft.com/office/drawing/2014/main" id="{B0AB4FED-A636-C4AC-7D29-C7E1250B26A8}"/>
               </a:ext>
             </a:extLst>
           </p:cNvPr>
@@ -377,7 +377,7 @@
           <p:cNvPr id="3" name="竖排文字占位符 2">
             <a:extLst>
               <a:ext uri="{FF2B5EF4-FFF2-40B4-BE49-F238E27FC236}">
-                <a16:creationId xmlns:a16="http://schemas.microsoft.com/office/drawing/2014/main" id="{8F4F14DA-9627-2565-742A-17983A16D0A2}"/>
+                <a16:creationId xmlns:a16="http://schemas.microsoft.com/office/drawing/2014/main" id="{B8DF0E6F-E62C-9799-FF57-DB190FC8C543}"/>
               </a:ext>
             </a:extLst>
           </p:cNvPr>
@@ -434,7 +434,7 @@
           <p:cNvPr id="4" name="日期占位符 3">
             <a:extLst>
               <a:ext uri="{FF2B5EF4-FFF2-40B4-BE49-F238E27FC236}">
-                <a16:creationId xmlns:a16="http://schemas.microsoft.com/office/drawing/2014/main" id="{B7BF5BD2-0999-AC8F-96AE-8CAAA862C876}"/>
+                <a16:creationId xmlns:a16="http://schemas.microsoft.com/office/drawing/2014/main" id="{A3F30311-1D87-3C71-1940-969C41EA79F5}"/>
               </a:ext>
             </a:extLst>
           </p:cNvPr>
@@ -450,7 +450,7 @@
           <a:bodyPr/>
           <a:lstStyle/>
           <a:p>
-            <a:fld id="{80ADE870-FFA6-4B99-AFA2-22367C8C185E}" type="datetimeFigureOut">
+            <a:fld id="{A297D15C-81C0-42CE-B051-EF2DA58C8248}" type="datetimeFigureOut">
               <a:rPr lang="zh-CN" altLang="en-US" smtClean="0"/>
               <a:t>2024/3/10</a:t>
             </a:fld>
@@ -463,7 +463,7 @@
           <p:cNvPr id="5" name="页脚占位符 4">
             <a:extLst>
               <a:ext uri="{FF2B5EF4-FFF2-40B4-BE49-F238E27FC236}">
-                <a16:creationId xmlns:a16="http://schemas.microsoft.com/office/drawing/2014/main" id="{187343CC-BF1D-B5E4-4A03-9BBD11BE1A78}"/>
+                <a16:creationId xmlns:a16="http://schemas.microsoft.com/office/drawing/2014/main" id="{8C7DDED1-2081-9FDC-B4A1-00F3F895FD6B}"/>
               </a:ext>
             </a:extLst>
           </p:cNvPr>
@@ -488,7 +488,7 @@
           <p:cNvPr id="6" name="灯片编号占位符 5">
             <a:extLst>
               <a:ext uri="{FF2B5EF4-FFF2-40B4-BE49-F238E27FC236}">
-                <a16:creationId xmlns:a16="http://schemas.microsoft.com/office/drawing/2014/main" id="{56A4C9A1-0E29-E398-C656-307EFBACED61}"/>
+                <a16:creationId xmlns:a16="http://schemas.microsoft.com/office/drawing/2014/main" id="{3D1532AB-4A50-4A6F-77DE-37A625702EE0}"/>
               </a:ext>
             </a:extLst>
           </p:cNvPr>
@@ -504,7 +504,7 @@
           <a:bodyPr/>
           <a:lstStyle/>
           <a:p>
-            <a:fld id="{7843D4D4-6DEB-4559-854B-23A6C512C027}" type="slidenum">
+            <a:fld id="{33315937-2F1E-45E3-B47B-1966B4BBB08B}" type="slidenum">
               <a:rPr lang="zh-CN" altLang="en-US" smtClean="0"/>
               <a:t>‹#›</a:t>
             </a:fld>
@@ -515,7 +515,7 @@
     </p:spTree>
     <p:extLst>
       <p:ext uri="{BB962C8B-B14F-4D97-AF65-F5344CB8AC3E}">
-        <p14:creationId xmlns:p14="http://schemas.microsoft.com/office/powerpoint/2010/main" val="1860302245"/>
+        <p14:creationId xmlns:p14="http://schemas.microsoft.com/office/powerpoint/2010/main" val="1618625679"/>
       </p:ext>
     </p:extLst>
   </p:cSld>
@@ -547,7 +547,7 @@
           <p:cNvPr id="2" name="竖排标题 1">
             <a:extLst>
               <a:ext uri="{FF2B5EF4-FFF2-40B4-BE49-F238E27FC236}">
-                <a16:creationId xmlns:a16="http://schemas.microsoft.com/office/drawing/2014/main" id="{D6CE52A5-A4A2-3100-ABA1-BE3DCF1BC840}"/>
+                <a16:creationId xmlns:a16="http://schemas.microsoft.com/office/drawing/2014/main" id="{3F3169AB-932B-36D8-ACA6-49D4C7A92622}"/>
               </a:ext>
             </a:extLst>
           </p:cNvPr>
@@ -580,7 +580,7 @@
           <p:cNvPr id="3" name="竖排文字占位符 2">
             <a:extLst>
               <a:ext uri="{FF2B5EF4-FFF2-40B4-BE49-F238E27FC236}">
-                <a16:creationId xmlns:a16="http://schemas.microsoft.com/office/drawing/2014/main" id="{D061A5C9-0CB3-CA2B-7BBC-4DE1DD200234}"/>
+                <a16:creationId xmlns:a16="http://schemas.microsoft.com/office/drawing/2014/main" id="{BB1971EB-44E5-2C55-B53A-C59A4E42B3F0}"/>
               </a:ext>
             </a:extLst>
           </p:cNvPr>
@@ -642,7 +642,7 @@
           <p:cNvPr id="4" name="日期占位符 3">
             <a:extLst>
               <a:ext uri="{FF2B5EF4-FFF2-40B4-BE49-F238E27FC236}">
-                <a16:creationId xmlns:a16="http://schemas.microsoft.com/office/drawing/2014/main" id="{278DA114-0404-CE68-6859-6EA416E0EE64}"/>
+                <a16:creationId xmlns:a16="http://schemas.microsoft.com/office/drawing/2014/main" id="{96F9B3BA-DF7E-CFA2-DCDC-1E47F813AD95}"/>
               </a:ext>
             </a:extLst>
           </p:cNvPr>
@@ -658,7 +658,7 @@
           <a:bodyPr/>
           <a:lstStyle/>
           <a:p>
-            <a:fld id="{80ADE870-FFA6-4B99-AFA2-22367C8C185E}" type="datetimeFigureOut">
+            <a:fld id="{A297D15C-81C0-42CE-B051-EF2DA58C8248}" type="datetimeFigureOut">
               <a:rPr lang="zh-CN" altLang="en-US" smtClean="0"/>
               <a:t>2024/3/10</a:t>
             </a:fld>
@@ -671,7 +671,7 @@
           <p:cNvPr id="5" name="页脚占位符 4">
             <a:extLst>
               <a:ext uri="{FF2B5EF4-FFF2-40B4-BE49-F238E27FC236}">
-                <a16:creationId xmlns:a16="http://schemas.microsoft.com/office/drawing/2014/main" id="{75429D17-EA01-AAB8-EA36-46B9F2D172B1}"/>
+                <a16:creationId xmlns:a16="http://schemas.microsoft.com/office/drawing/2014/main" id="{39EB3CA0-38F2-B9EB-3979-F841176F9C61}"/>
               </a:ext>
             </a:extLst>
           </p:cNvPr>
@@ -696,7 +696,7 @@
           <p:cNvPr id="6" name="灯片编号占位符 5">
             <a:extLst>
               <a:ext uri="{FF2B5EF4-FFF2-40B4-BE49-F238E27FC236}">
-                <a16:creationId xmlns:a16="http://schemas.microsoft.com/office/drawing/2014/main" id="{D46650F6-E22E-CCF8-6706-C7219450B221}"/>
+                <a16:creationId xmlns:a16="http://schemas.microsoft.com/office/drawing/2014/main" id="{B412C023-F16A-5932-0840-C6155E674114}"/>
               </a:ext>
             </a:extLst>
           </p:cNvPr>
@@ -712,7 +712,7 @@
           <a:bodyPr/>
           <a:lstStyle/>
           <a:p>
-            <a:fld id="{7843D4D4-6DEB-4559-854B-23A6C512C027}" type="slidenum">
+            <a:fld id="{33315937-2F1E-45E3-B47B-1966B4BBB08B}" type="slidenum">
               <a:rPr lang="zh-CN" altLang="en-US" smtClean="0"/>
               <a:t>‹#›</a:t>
             </a:fld>
@@ -723,7 +723,7 @@
     </p:spTree>
     <p:extLst>
       <p:ext uri="{BB962C8B-B14F-4D97-AF65-F5344CB8AC3E}">
-        <p14:creationId xmlns:p14="http://schemas.microsoft.com/office/powerpoint/2010/main" val="2200333167"/>
+        <p14:creationId xmlns:p14="http://schemas.microsoft.com/office/powerpoint/2010/main" val="1518816006"/>
       </p:ext>
     </p:extLst>
   </p:cSld>
@@ -755,7 +755,7 @@
           <p:cNvPr id="2" name="标题 1">
             <a:extLst>
               <a:ext uri="{FF2B5EF4-FFF2-40B4-BE49-F238E27FC236}">
-                <a16:creationId xmlns:a16="http://schemas.microsoft.com/office/drawing/2014/main" id="{C7A0794D-9554-711E-9BB4-769977167F02}"/>
+                <a16:creationId xmlns:a16="http://schemas.microsoft.com/office/drawing/2014/main" id="{03B78C24-5C94-39CB-2EC7-F24F74E1BDEE}"/>
               </a:ext>
             </a:extLst>
           </p:cNvPr>
@@ -783,7 +783,7 @@
           <p:cNvPr id="3" name="内容占位符 2">
             <a:extLst>
               <a:ext uri="{FF2B5EF4-FFF2-40B4-BE49-F238E27FC236}">
-                <a16:creationId xmlns:a16="http://schemas.microsoft.com/office/drawing/2014/main" id="{ACE8D62A-F3BC-B12E-89FC-0874721EA402}"/>
+                <a16:creationId xmlns:a16="http://schemas.microsoft.com/office/drawing/2014/main" id="{8DFCDDCC-E8EC-7470-76E3-A6CDDD6BB391}"/>
               </a:ext>
             </a:extLst>
           </p:cNvPr>
@@ -840,7 +840,7 @@
           <p:cNvPr id="4" name="日期占位符 3">
             <a:extLst>
               <a:ext uri="{FF2B5EF4-FFF2-40B4-BE49-F238E27FC236}">
-                <a16:creationId xmlns:a16="http://schemas.microsoft.com/office/drawing/2014/main" id="{31C04689-779F-24DF-A390-20345BD19007}"/>
+                <a16:creationId xmlns:a16="http://schemas.microsoft.com/office/drawing/2014/main" id="{05DAA989-3E39-8E5C-500A-9A123C27E0A8}"/>
               </a:ext>
             </a:extLst>
           </p:cNvPr>
@@ -856,7 +856,7 @@
           <a:bodyPr/>
           <a:lstStyle/>
           <a:p>
-            <a:fld id="{80ADE870-FFA6-4B99-AFA2-22367C8C185E}" type="datetimeFigureOut">
+            <a:fld id="{A297D15C-81C0-42CE-B051-EF2DA58C8248}" type="datetimeFigureOut">
               <a:rPr lang="zh-CN" altLang="en-US" smtClean="0"/>
               <a:t>2024/3/10</a:t>
             </a:fld>
@@ -869,7 +869,7 @@
           <p:cNvPr id="5" name="页脚占位符 4">
             <a:extLst>
               <a:ext uri="{FF2B5EF4-FFF2-40B4-BE49-F238E27FC236}">
-                <a16:creationId xmlns:a16="http://schemas.microsoft.com/office/drawing/2014/main" id="{8F65D61F-F3D2-2F24-86E7-436DCFE25647}"/>
+                <a16:creationId xmlns:a16="http://schemas.microsoft.com/office/drawing/2014/main" id="{F147B72D-4D8D-5DFD-4569-BEE153791A53}"/>
               </a:ext>
             </a:extLst>
           </p:cNvPr>
@@ -894,7 +894,7 @@
           <p:cNvPr id="6" name="灯片编号占位符 5">
             <a:extLst>
               <a:ext uri="{FF2B5EF4-FFF2-40B4-BE49-F238E27FC236}">
-                <a16:creationId xmlns:a16="http://schemas.microsoft.com/office/drawing/2014/main" id="{6861CFD1-B0D2-D8B0-A863-4AB28D4B7171}"/>
+                <a16:creationId xmlns:a16="http://schemas.microsoft.com/office/drawing/2014/main" id="{F971A980-250B-EBE2-39F5-E0783729AC18}"/>
               </a:ext>
             </a:extLst>
           </p:cNvPr>
@@ -910,7 +910,7 @@
           <a:bodyPr/>
           <a:lstStyle/>
           <a:p>
-            <a:fld id="{7843D4D4-6DEB-4559-854B-23A6C512C027}" type="slidenum">
+            <a:fld id="{33315937-2F1E-45E3-B47B-1966B4BBB08B}" type="slidenum">
               <a:rPr lang="zh-CN" altLang="en-US" smtClean="0"/>
               <a:t>‹#›</a:t>
             </a:fld>
@@ -921,7 +921,7 @@
     </p:spTree>
     <p:extLst>
       <p:ext uri="{BB962C8B-B14F-4D97-AF65-F5344CB8AC3E}">
-        <p14:creationId xmlns:p14="http://schemas.microsoft.com/office/powerpoint/2010/main" val="1852381654"/>
+        <p14:creationId xmlns:p14="http://schemas.microsoft.com/office/powerpoint/2010/main" val="618949480"/>
       </p:ext>
     </p:extLst>
   </p:cSld>
@@ -953,7 +953,7 @@
           <p:cNvPr id="2" name="标题 1">
             <a:extLst>
               <a:ext uri="{FF2B5EF4-FFF2-40B4-BE49-F238E27FC236}">
-                <a16:creationId xmlns:a16="http://schemas.microsoft.com/office/drawing/2014/main" id="{1D9BEC11-AB8E-55E0-531B-88C778783461}"/>
+                <a16:creationId xmlns:a16="http://schemas.microsoft.com/office/drawing/2014/main" id="{2FCE07E1-B403-9870-56DD-F258E2EA94CC}"/>
               </a:ext>
             </a:extLst>
           </p:cNvPr>
@@ -990,7 +990,7 @@
           <p:cNvPr id="3" name="文本占位符 2">
             <a:extLst>
               <a:ext uri="{FF2B5EF4-FFF2-40B4-BE49-F238E27FC236}">
-                <a16:creationId xmlns:a16="http://schemas.microsoft.com/office/drawing/2014/main" id="{24BA4357-A721-E3F5-4188-84B8288825F5}"/>
+                <a16:creationId xmlns:a16="http://schemas.microsoft.com/office/drawing/2014/main" id="{D9AD260D-26F2-9486-2967-B72C22EB8A9F}"/>
               </a:ext>
             </a:extLst>
           </p:cNvPr>
@@ -1115,7 +1115,7 @@
           <p:cNvPr id="4" name="日期占位符 3">
             <a:extLst>
               <a:ext uri="{FF2B5EF4-FFF2-40B4-BE49-F238E27FC236}">
-                <a16:creationId xmlns:a16="http://schemas.microsoft.com/office/drawing/2014/main" id="{3B370353-B45A-AA86-55E6-380A1A6FB7D2}"/>
+                <a16:creationId xmlns:a16="http://schemas.microsoft.com/office/drawing/2014/main" id="{92F06724-20DA-E327-66CD-E6BE2863857B}"/>
               </a:ext>
             </a:extLst>
           </p:cNvPr>
@@ -1131,7 +1131,7 @@
           <a:bodyPr/>
           <a:lstStyle/>
           <a:p>
-            <a:fld id="{80ADE870-FFA6-4B99-AFA2-22367C8C185E}" type="datetimeFigureOut">
+            <a:fld id="{A297D15C-81C0-42CE-B051-EF2DA58C8248}" type="datetimeFigureOut">
               <a:rPr lang="zh-CN" altLang="en-US" smtClean="0"/>
               <a:t>2024/3/10</a:t>
             </a:fld>
@@ -1144,7 +1144,7 @@
           <p:cNvPr id="5" name="页脚占位符 4">
             <a:extLst>
               <a:ext uri="{FF2B5EF4-FFF2-40B4-BE49-F238E27FC236}">
-                <a16:creationId xmlns:a16="http://schemas.microsoft.com/office/drawing/2014/main" id="{EE840EB7-57BB-71D6-AD95-4DFD37830F9E}"/>
+                <a16:creationId xmlns:a16="http://schemas.microsoft.com/office/drawing/2014/main" id="{AFD39BCB-302C-6200-93EB-0D71D74F5649}"/>
               </a:ext>
             </a:extLst>
           </p:cNvPr>
@@ -1169,7 +1169,7 @@
           <p:cNvPr id="6" name="灯片编号占位符 5">
             <a:extLst>
               <a:ext uri="{FF2B5EF4-FFF2-40B4-BE49-F238E27FC236}">
-                <a16:creationId xmlns:a16="http://schemas.microsoft.com/office/drawing/2014/main" id="{E1A67BB8-84B7-83C8-FBDC-C9AA2E232928}"/>
+                <a16:creationId xmlns:a16="http://schemas.microsoft.com/office/drawing/2014/main" id="{3D706E7E-85C7-0095-8E9F-63A879A186A2}"/>
               </a:ext>
             </a:extLst>
           </p:cNvPr>
@@ -1185,7 +1185,7 @@
           <a:bodyPr/>
           <a:lstStyle/>
           <a:p>
-            <a:fld id="{7843D4D4-6DEB-4559-854B-23A6C512C027}" type="slidenum">
+            <a:fld id="{33315937-2F1E-45E3-B47B-1966B4BBB08B}" type="slidenum">
               <a:rPr lang="zh-CN" altLang="en-US" smtClean="0"/>
               <a:t>‹#›</a:t>
             </a:fld>
@@ -1196,7 +1196,7 @@
     </p:spTree>
     <p:extLst>
       <p:ext uri="{BB962C8B-B14F-4D97-AF65-F5344CB8AC3E}">
-        <p14:creationId xmlns:p14="http://schemas.microsoft.com/office/powerpoint/2010/main" val="4088253303"/>
+        <p14:creationId xmlns:p14="http://schemas.microsoft.com/office/powerpoint/2010/main" val="2459875278"/>
       </p:ext>
     </p:extLst>
   </p:cSld>
@@ -1228,7 +1228,7 @@
           <p:cNvPr id="2" name="标题 1">
             <a:extLst>
               <a:ext uri="{FF2B5EF4-FFF2-40B4-BE49-F238E27FC236}">
-                <a16:creationId xmlns:a16="http://schemas.microsoft.com/office/drawing/2014/main" id="{D8BC7BEA-261A-C70B-92B6-338D0FA4EA4C}"/>
+                <a16:creationId xmlns:a16="http://schemas.microsoft.com/office/drawing/2014/main" id="{12E640DC-154B-A99F-CF65-AD691DBC77E3}"/>
               </a:ext>
             </a:extLst>
           </p:cNvPr>
@@ -1256,7 +1256,7 @@
           <p:cNvPr id="3" name="内容占位符 2">
             <a:extLst>
               <a:ext uri="{FF2B5EF4-FFF2-40B4-BE49-F238E27FC236}">
-                <a16:creationId xmlns:a16="http://schemas.microsoft.com/office/drawing/2014/main" id="{B9D997FA-FC7E-BDF8-6123-D93FC5C2FBC5}"/>
+                <a16:creationId xmlns:a16="http://schemas.microsoft.com/office/drawing/2014/main" id="{D508D2AA-1F0B-2255-B3A0-34437C6C0E32}"/>
               </a:ext>
             </a:extLst>
           </p:cNvPr>
@@ -1318,7 +1318,7 @@
           <p:cNvPr id="4" name="内容占位符 3">
             <a:extLst>
               <a:ext uri="{FF2B5EF4-FFF2-40B4-BE49-F238E27FC236}">
-                <a16:creationId xmlns:a16="http://schemas.microsoft.com/office/drawing/2014/main" id="{81ACAA11-83C6-D185-5D33-5AEF3036326A}"/>
+                <a16:creationId xmlns:a16="http://schemas.microsoft.com/office/drawing/2014/main" id="{971BC8A5-AC59-A2CC-56B3-CA11AD030050}"/>
               </a:ext>
             </a:extLst>
           </p:cNvPr>
@@ -1380,7 +1380,7 @@
           <p:cNvPr id="5" name="日期占位符 4">
             <a:extLst>
               <a:ext uri="{FF2B5EF4-FFF2-40B4-BE49-F238E27FC236}">
-                <a16:creationId xmlns:a16="http://schemas.microsoft.com/office/drawing/2014/main" id="{0ACDCD76-463D-AFDB-C3EF-6E29490FAFCF}"/>
+                <a16:creationId xmlns:a16="http://schemas.microsoft.com/office/drawing/2014/main" id="{E368BAA1-AA71-2EDF-2598-98D26D663826}"/>
               </a:ext>
             </a:extLst>
           </p:cNvPr>
@@ -1396,7 +1396,7 @@
           <a:bodyPr/>
           <a:lstStyle/>
           <a:p>
-            <a:fld id="{80ADE870-FFA6-4B99-AFA2-22367C8C185E}" type="datetimeFigureOut">
+            <a:fld id="{A297D15C-81C0-42CE-B051-EF2DA58C8248}" type="datetimeFigureOut">
               <a:rPr lang="zh-CN" altLang="en-US" smtClean="0"/>
               <a:t>2024/3/10</a:t>
             </a:fld>
@@ -1409,7 +1409,7 @@
           <p:cNvPr id="6" name="页脚占位符 5">
             <a:extLst>
               <a:ext uri="{FF2B5EF4-FFF2-40B4-BE49-F238E27FC236}">
-                <a16:creationId xmlns:a16="http://schemas.microsoft.com/office/drawing/2014/main" id="{FE366A42-8DEA-5356-E3E4-E25B3651DC4E}"/>
+                <a16:creationId xmlns:a16="http://schemas.microsoft.com/office/drawing/2014/main" id="{420AB70B-5F36-1C3D-0989-3FAED1D4B578}"/>
               </a:ext>
             </a:extLst>
           </p:cNvPr>
@@ -1434,7 +1434,7 @@
           <p:cNvPr id="7" name="灯片编号占位符 6">
             <a:extLst>
               <a:ext uri="{FF2B5EF4-FFF2-40B4-BE49-F238E27FC236}">
-                <a16:creationId xmlns:a16="http://schemas.microsoft.com/office/drawing/2014/main" id="{2681801D-3D1B-4B79-ABA1-7563E5CDD4F7}"/>
+                <a16:creationId xmlns:a16="http://schemas.microsoft.com/office/drawing/2014/main" id="{D88FC2E8-6550-23CD-2489-74A4EBAA98CD}"/>
               </a:ext>
             </a:extLst>
           </p:cNvPr>
@@ -1450,7 +1450,7 @@
           <a:bodyPr/>
           <a:lstStyle/>
           <a:p>
-            <a:fld id="{7843D4D4-6DEB-4559-854B-23A6C512C027}" type="slidenum">
+            <a:fld id="{33315937-2F1E-45E3-B47B-1966B4BBB08B}" type="slidenum">
               <a:rPr lang="zh-CN" altLang="en-US" smtClean="0"/>
               <a:t>‹#›</a:t>
             </a:fld>
@@ -1461,7 +1461,7 @@
     </p:spTree>
     <p:extLst>
       <p:ext uri="{BB962C8B-B14F-4D97-AF65-F5344CB8AC3E}">
-        <p14:creationId xmlns:p14="http://schemas.microsoft.com/office/powerpoint/2010/main" val="1702173512"/>
+        <p14:creationId xmlns:p14="http://schemas.microsoft.com/office/powerpoint/2010/main" val="2316160877"/>
       </p:ext>
     </p:extLst>
   </p:cSld>
@@ -1493,7 +1493,7 @@
           <p:cNvPr id="2" name="标题 1">
             <a:extLst>
               <a:ext uri="{FF2B5EF4-FFF2-40B4-BE49-F238E27FC236}">
-                <a16:creationId xmlns:a16="http://schemas.microsoft.com/office/drawing/2014/main" id="{3BD76C47-6239-D2A4-D5E5-8A2D60A7A231}"/>
+                <a16:creationId xmlns:a16="http://schemas.microsoft.com/office/drawing/2014/main" id="{49338272-4C88-F45A-42FC-ADA976B5BA7D}"/>
               </a:ext>
             </a:extLst>
           </p:cNvPr>
@@ -1526,7 +1526,7 @@
           <p:cNvPr id="3" name="文本占位符 2">
             <a:extLst>
               <a:ext uri="{FF2B5EF4-FFF2-40B4-BE49-F238E27FC236}">
-                <a16:creationId xmlns:a16="http://schemas.microsoft.com/office/drawing/2014/main" id="{3B131F38-BFD4-CBEC-DA75-2297DE0D21CD}"/>
+                <a16:creationId xmlns:a16="http://schemas.microsoft.com/office/drawing/2014/main" id="{A4B0C955-40CB-451A-AB86-A0A4286598CC}"/>
               </a:ext>
             </a:extLst>
           </p:cNvPr>
@@ -1597,7 +1597,7 @@
           <p:cNvPr id="4" name="内容占位符 3">
             <a:extLst>
               <a:ext uri="{FF2B5EF4-FFF2-40B4-BE49-F238E27FC236}">
-                <a16:creationId xmlns:a16="http://schemas.microsoft.com/office/drawing/2014/main" id="{9B3C372C-874B-5AB4-7BB2-BAA3514336BE}"/>
+                <a16:creationId xmlns:a16="http://schemas.microsoft.com/office/drawing/2014/main" id="{917994C0-8E45-9C8A-D694-F37104DE13BF}"/>
               </a:ext>
             </a:extLst>
           </p:cNvPr>
@@ -1659,7 +1659,7 @@
           <p:cNvPr id="5" name="文本占位符 4">
             <a:extLst>
               <a:ext uri="{FF2B5EF4-FFF2-40B4-BE49-F238E27FC236}">
-                <a16:creationId xmlns:a16="http://schemas.microsoft.com/office/drawing/2014/main" id="{7D39B57F-467A-16D3-A6BD-EB667C26E8C1}"/>
+                <a16:creationId xmlns:a16="http://schemas.microsoft.com/office/drawing/2014/main" id="{10C36AAC-44C6-DC00-6C75-543EDE6CE2D8}"/>
               </a:ext>
             </a:extLst>
           </p:cNvPr>
@@ -1730,7 +1730,7 @@
           <p:cNvPr id="6" name="内容占位符 5">
             <a:extLst>
               <a:ext uri="{FF2B5EF4-FFF2-40B4-BE49-F238E27FC236}">
-                <a16:creationId xmlns:a16="http://schemas.microsoft.com/office/drawing/2014/main" id="{4955AACA-BE69-F114-BB7F-7D15D36A3920}"/>
+                <a16:creationId xmlns:a16="http://schemas.microsoft.com/office/drawing/2014/main" id="{DFFC9BB3-8117-57BB-3740-B17D745DE7B7}"/>
               </a:ext>
             </a:extLst>
           </p:cNvPr>
@@ -1792,7 +1792,7 @@
           <p:cNvPr id="7" name="日期占位符 6">
             <a:extLst>
               <a:ext uri="{FF2B5EF4-FFF2-40B4-BE49-F238E27FC236}">
-                <a16:creationId xmlns:a16="http://schemas.microsoft.com/office/drawing/2014/main" id="{F79F3459-8898-BEB5-A378-545DDC2CDC71}"/>
+                <a16:creationId xmlns:a16="http://schemas.microsoft.com/office/drawing/2014/main" id="{7D0093B2-A204-4DA0-A10C-DB5D6CF70B69}"/>
               </a:ext>
             </a:extLst>
           </p:cNvPr>
@@ -1808,7 +1808,7 @@
           <a:bodyPr/>
           <a:lstStyle/>
           <a:p>
-            <a:fld id="{80ADE870-FFA6-4B99-AFA2-22367C8C185E}" type="datetimeFigureOut">
+            <a:fld id="{A297D15C-81C0-42CE-B051-EF2DA58C8248}" type="datetimeFigureOut">
               <a:rPr lang="zh-CN" altLang="en-US" smtClean="0"/>
               <a:t>2024/3/10</a:t>
             </a:fld>
@@ -1821,7 +1821,7 @@
           <p:cNvPr id="8" name="页脚占位符 7">
             <a:extLst>
               <a:ext uri="{FF2B5EF4-FFF2-40B4-BE49-F238E27FC236}">
-                <a16:creationId xmlns:a16="http://schemas.microsoft.com/office/drawing/2014/main" id="{F2C7A469-5253-D4CB-B168-D59E3D525BDD}"/>
+                <a16:creationId xmlns:a16="http://schemas.microsoft.com/office/drawing/2014/main" id="{7CA2BA74-A831-D929-7F76-FF8A0399147C}"/>
               </a:ext>
             </a:extLst>
           </p:cNvPr>
@@ -1846,7 +1846,7 @@
           <p:cNvPr id="9" name="灯片编号占位符 8">
             <a:extLst>
               <a:ext uri="{FF2B5EF4-FFF2-40B4-BE49-F238E27FC236}">
-                <a16:creationId xmlns:a16="http://schemas.microsoft.com/office/drawing/2014/main" id="{E168E6D7-B723-5945-F44D-64190229C9AE}"/>
+                <a16:creationId xmlns:a16="http://schemas.microsoft.com/office/drawing/2014/main" id="{1223454C-FE44-4152-10E3-5B8C57715FD3}"/>
               </a:ext>
             </a:extLst>
           </p:cNvPr>
@@ -1862,7 +1862,7 @@
           <a:bodyPr/>
           <a:lstStyle/>
           <a:p>
-            <a:fld id="{7843D4D4-6DEB-4559-854B-23A6C512C027}" type="slidenum">
+            <a:fld id="{33315937-2F1E-45E3-B47B-1966B4BBB08B}" type="slidenum">
               <a:rPr lang="zh-CN" altLang="en-US" smtClean="0"/>
               <a:t>‹#›</a:t>
             </a:fld>
@@ -1873,7 +1873,7 @@
     </p:spTree>
     <p:extLst>
       <p:ext uri="{BB962C8B-B14F-4D97-AF65-F5344CB8AC3E}">
-        <p14:creationId xmlns:p14="http://schemas.microsoft.com/office/powerpoint/2010/main" val="4159504353"/>
+        <p14:creationId xmlns:p14="http://schemas.microsoft.com/office/powerpoint/2010/main" val="2038783944"/>
       </p:ext>
     </p:extLst>
   </p:cSld>
@@ -1905,7 +1905,7 @@
           <p:cNvPr id="2" name="标题 1">
             <a:extLst>
               <a:ext uri="{FF2B5EF4-FFF2-40B4-BE49-F238E27FC236}">
-                <a16:creationId xmlns:a16="http://schemas.microsoft.com/office/drawing/2014/main" id="{2F9CC0CD-76B9-0F05-1628-4023E76AAB53}"/>
+                <a16:creationId xmlns:a16="http://schemas.microsoft.com/office/drawing/2014/main" id="{2A611458-B448-D29C-FC83-B9B06C504844}"/>
               </a:ext>
             </a:extLst>
           </p:cNvPr>
@@ -1933,7 +1933,7 @@
           <p:cNvPr id="3" name="日期占位符 2">
             <a:extLst>
               <a:ext uri="{FF2B5EF4-FFF2-40B4-BE49-F238E27FC236}">
-                <a16:creationId xmlns:a16="http://schemas.microsoft.com/office/drawing/2014/main" id="{73138A28-4370-3644-B4FD-CDF5C9808665}"/>
+                <a16:creationId xmlns:a16="http://schemas.microsoft.com/office/drawing/2014/main" id="{AF79982E-C1D1-CD91-5702-A0DF729F0D84}"/>
               </a:ext>
             </a:extLst>
           </p:cNvPr>
@@ -1949,7 +1949,7 @@
           <a:bodyPr/>
           <a:lstStyle/>
           <a:p>
-            <a:fld id="{80ADE870-FFA6-4B99-AFA2-22367C8C185E}" type="datetimeFigureOut">
+            <a:fld id="{A297D15C-81C0-42CE-B051-EF2DA58C8248}" type="datetimeFigureOut">
               <a:rPr lang="zh-CN" altLang="en-US" smtClean="0"/>
               <a:t>2024/3/10</a:t>
             </a:fld>
@@ -1962,7 +1962,7 @@
           <p:cNvPr id="4" name="页脚占位符 3">
             <a:extLst>
               <a:ext uri="{FF2B5EF4-FFF2-40B4-BE49-F238E27FC236}">
-                <a16:creationId xmlns:a16="http://schemas.microsoft.com/office/drawing/2014/main" id="{9565616A-D954-56B1-86B9-363F5EF2D4BE}"/>
+                <a16:creationId xmlns:a16="http://schemas.microsoft.com/office/drawing/2014/main" id="{9AA18F1A-9158-4C28-EE41-8DA7241E78FE}"/>
               </a:ext>
             </a:extLst>
           </p:cNvPr>
@@ -1987,7 +1987,7 @@
           <p:cNvPr id="5" name="灯片编号占位符 4">
             <a:extLst>
               <a:ext uri="{FF2B5EF4-FFF2-40B4-BE49-F238E27FC236}">
-                <a16:creationId xmlns:a16="http://schemas.microsoft.com/office/drawing/2014/main" id="{3C1F1069-45CC-A0E7-49D2-A5C3A497FDF3}"/>
+                <a16:creationId xmlns:a16="http://schemas.microsoft.com/office/drawing/2014/main" id="{5A21A14D-0C84-D68D-FE6A-EE96FE1C5906}"/>
               </a:ext>
             </a:extLst>
           </p:cNvPr>
@@ -2003,7 +2003,7 @@
           <a:bodyPr/>
           <a:lstStyle/>
           <a:p>
-            <a:fld id="{7843D4D4-6DEB-4559-854B-23A6C512C027}" type="slidenum">
+            <a:fld id="{33315937-2F1E-45E3-B47B-1966B4BBB08B}" type="slidenum">
               <a:rPr lang="zh-CN" altLang="en-US" smtClean="0"/>
               <a:t>‹#›</a:t>
             </a:fld>
@@ -2014,7 +2014,7 @@
     </p:spTree>
     <p:extLst>
       <p:ext uri="{BB962C8B-B14F-4D97-AF65-F5344CB8AC3E}">
-        <p14:creationId xmlns:p14="http://schemas.microsoft.com/office/powerpoint/2010/main" val="3949564992"/>
+        <p14:creationId xmlns:p14="http://schemas.microsoft.com/office/powerpoint/2010/main" val="2590990101"/>
       </p:ext>
     </p:extLst>
   </p:cSld>
@@ -2046,7 +2046,7 @@
           <p:cNvPr id="2" name="日期占位符 1">
             <a:extLst>
               <a:ext uri="{FF2B5EF4-FFF2-40B4-BE49-F238E27FC236}">
-                <a16:creationId xmlns:a16="http://schemas.microsoft.com/office/drawing/2014/main" id="{729BE65E-CF97-6DFC-3D89-C0D0EF351094}"/>
+                <a16:creationId xmlns:a16="http://schemas.microsoft.com/office/drawing/2014/main" id="{E968A1AB-19E5-E4F3-2BDF-598FF02EFB09}"/>
               </a:ext>
             </a:extLst>
           </p:cNvPr>
@@ -2062,7 +2062,7 @@
           <a:bodyPr/>
           <a:lstStyle/>
           <a:p>
-            <a:fld id="{80ADE870-FFA6-4B99-AFA2-22367C8C185E}" type="datetimeFigureOut">
+            <a:fld id="{A297D15C-81C0-42CE-B051-EF2DA58C8248}" type="datetimeFigureOut">
               <a:rPr lang="zh-CN" altLang="en-US" smtClean="0"/>
               <a:t>2024/3/10</a:t>
             </a:fld>
@@ -2075,7 +2075,7 @@
           <p:cNvPr id="3" name="页脚占位符 2">
             <a:extLst>
               <a:ext uri="{FF2B5EF4-FFF2-40B4-BE49-F238E27FC236}">
-                <a16:creationId xmlns:a16="http://schemas.microsoft.com/office/drawing/2014/main" id="{A004302D-B590-0129-8AC0-0661B9B82CBA}"/>
+                <a16:creationId xmlns:a16="http://schemas.microsoft.com/office/drawing/2014/main" id="{B4734610-8762-669B-B5AB-F98DE7AA40AC}"/>
               </a:ext>
             </a:extLst>
           </p:cNvPr>
@@ -2100,7 +2100,7 @@
           <p:cNvPr id="4" name="灯片编号占位符 3">
             <a:extLst>
               <a:ext uri="{FF2B5EF4-FFF2-40B4-BE49-F238E27FC236}">
-                <a16:creationId xmlns:a16="http://schemas.microsoft.com/office/drawing/2014/main" id="{9520E677-3EB0-187B-9BF4-62E8BCE3F7FC}"/>
+                <a16:creationId xmlns:a16="http://schemas.microsoft.com/office/drawing/2014/main" id="{A4F33ED9-395A-13B0-D5F5-09C1FE26C919}"/>
               </a:ext>
             </a:extLst>
           </p:cNvPr>
@@ -2116,7 +2116,7 @@
           <a:bodyPr/>
           <a:lstStyle/>
           <a:p>
-            <a:fld id="{7843D4D4-6DEB-4559-854B-23A6C512C027}" type="slidenum">
+            <a:fld id="{33315937-2F1E-45E3-B47B-1966B4BBB08B}" type="slidenum">
               <a:rPr lang="zh-CN" altLang="en-US" smtClean="0"/>
               <a:t>‹#›</a:t>
             </a:fld>
@@ -2127,7 +2127,7 @@
     </p:spTree>
     <p:extLst>
       <p:ext uri="{BB962C8B-B14F-4D97-AF65-F5344CB8AC3E}">
-        <p14:creationId xmlns:p14="http://schemas.microsoft.com/office/powerpoint/2010/main" val="92225765"/>
+        <p14:creationId xmlns:p14="http://schemas.microsoft.com/office/powerpoint/2010/main" val="2732546328"/>
       </p:ext>
     </p:extLst>
   </p:cSld>
@@ -2159,7 +2159,7 @@
           <p:cNvPr id="2" name="标题 1">
             <a:extLst>
               <a:ext uri="{FF2B5EF4-FFF2-40B4-BE49-F238E27FC236}">
-                <a16:creationId xmlns:a16="http://schemas.microsoft.com/office/drawing/2014/main" id="{8A780220-8706-8615-E2AD-E644AC8508B5}"/>
+                <a16:creationId xmlns:a16="http://schemas.microsoft.com/office/drawing/2014/main" id="{BBD6F0D9-23B7-D89E-261F-AE1BF9B340B3}"/>
               </a:ext>
             </a:extLst>
           </p:cNvPr>
@@ -2196,7 +2196,7 @@
           <p:cNvPr id="3" name="内容占位符 2">
             <a:extLst>
               <a:ext uri="{FF2B5EF4-FFF2-40B4-BE49-F238E27FC236}">
-                <a16:creationId xmlns:a16="http://schemas.microsoft.com/office/drawing/2014/main" id="{A2EA3115-8FE0-938E-EF0F-7C958F74CFA8}"/>
+                <a16:creationId xmlns:a16="http://schemas.microsoft.com/office/drawing/2014/main" id="{8AE8421E-2794-1DAC-1F56-8BC109565377}"/>
               </a:ext>
             </a:extLst>
           </p:cNvPr>
@@ -2286,7 +2286,7 @@
           <p:cNvPr id="4" name="文本占位符 3">
             <a:extLst>
               <a:ext uri="{FF2B5EF4-FFF2-40B4-BE49-F238E27FC236}">
-                <a16:creationId xmlns:a16="http://schemas.microsoft.com/office/drawing/2014/main" id="{7B96ADF9-B83E-7B31-FD88-186A066C610C}"/>
+                <a16:creationId xmlns:a16="http://schemas.microsoft.com/office/drawing/2014/main" id="{0C11CE42-3BA9-E0E9-A155-AEF268A68B3B}"/>
               </a:ext>
             </a:extLst>
           </p:cNvPr>
@@ -2357,7 +2357,7 @@
           <p:cNvPr id="5" name="日期占位符 4">
             <a:extLst>
               <a:ext uri="{FF2B5EF4-FFF2-40B4-BE49-F238E27FC236}">
-                <a16:creationId xmlns:a16="http://schemas.microsoft.com/office/drawing/2014/main" id="{9DBD6422-574E-FE98-719E-578CA28E1907}"/>
+                <a16:creationId xmlns:a16="http://schemas.microsoft.com/office/drawing/2014/main" id="{24FBA193-5848-CA14-BAEF-3AF8619FB759}"/>
               </a:ext>
             </a:extLst>
           </p:cNvPr>
@@ -2373,7 +2373,7 @@
           <a:bodyPr/>
           <a:lstStyle/>
           <a:p>
-            <a:fld id="{80ADE870-FFA6-4B99-AFA2-22367C8C185E}" type="datetimeFigureOut">
+            <a:fld id="{A297D15C-81C0-42CE-B051-EF2DA58C8248}" type="datetimeFigureOut">
               <a:rPr lang="zh-CN" altLang="en-US" smtClean="0"/>
               <a:t>2024/3/10</a:t>
             </a:fld>
@@ -2386,7 +2386,7 @@
           <p:cNvPr id="6" name="页脚占位符 5">
             <a:extLst>
               <a:ext uri="{FF2B5EF4-FFF2-40B4-BE49-F238E27FC236}">
-                <a16:creationId xmlns:a16="http://schemas.microsoft.com/office/drawing/2014/main" id="{2BF016ED-42E7-AEBB-5F55-8DF9AE65D3C0}"/>
+                <a16:creationId xmlns:a16="http://schemas.microsoft.com/office/drawing/2014/main" id="{58E4AEA1-F9B8-C95B-C19C-05A018216A6E}"/>
               </a:ext>
             </a:extLst>
           </p:cNvPr>
@@ -2411,7 +2411,7 @@
           <p:cNvPr id="7" name="灯片编号占位符 6">
             <a:extLst>
               <a:ext uri="{FF2B5EF4-FFF2-40B4-BE49-F238E27FC236}">
-                <a16:creationId xmlns:a16="http://schemas.microsoft.com/office/drawing/2014/main" id="{35A9558D-1C25-A6E3-899E-172F2942937E}"/>
+                <a16:creationId xmlns:a16="http://schemas.microsoft.com/office/drawing/2014/main" id="{142C7441-55D6-9FD6-56E9-236EFED5D18A}"/>
               </a:ext>
             </a:extLst>
           </p:cNvPr>
@@ -2427,7 +2427,7 @@
           <a:bodyPr/>
           <a:lstStyle/>
           <a:p>
-            <a:fld id="{7843D4D4-6DEB-4559-854B-23A6C512C027}" type="slidenum">
+            <a:fld id="{33315937-2F1E-45E3-B47B-1966B4BBB08B}" type="slidenum">
               <a:rPr lang="zh-CN" altLang="en-US" smtClean="0"/>
               <a:t>‹#›</a:t>
             </a:fld>
@@ -2438,7 +2438,7 @@
     </p:spTree>
     <p:extLst>
       <p:ext uri="{BB962C8B-B14F-4D97-AF65-F5344CB8AC3E}">
-        <p14:creationId xmlns:p14="http://schemas.microsoft.com/office/powerpoint/2010/main" val="1697033011"/>
+        <p14:creationId xmlns:p14="http://schemas.microsoft.com/office/powerpoint/2010/main" val="1081536435"/>
       </p:ext>
     </p:extLst>
   </p:cSld>
@@ -2470,7 +2470,7 @@
           <p:cNvPr id="2" name="标题 1">
             <a:extLst>
               <a:ext uri="{FF2B5EF4-FFF2-40B4-BE49-F238E27FC236}">
-                <a16:creationId xmlns:a16="http://schemas.microsoft.com/office/drawing/2014/main" id="{833525F4-D30F-2F59-2DB1-290C2C824152}"/>
+                <a16:creationId xmlns:a16="http://schemas.microsoft.com/office/drawing/2014/main" id="{46758994-2270-609C-6E87-EB52E5DDA5B5}"/>
               </a:ext>
             </a:extLst>
           </p:cNvPr>
@@ -2507,7 +2507,7 @@
           <p:cNvPr id="3" name="图片占位符 2">
             <a:extLst>
               <a:ext uri="{FF2B5EF4-FFF2-40B4-BE49-F238E27FC236}">
-                <a16:creationId xmlns:a16="http://schemas.microsoft.com/office/drawing/2014/main" id="{5CF03D56-364D-651D-FD33-58D1E3641ED2}"/>
+                <a16:creationId xmlns:a16="http://schemas.microsoft.com/office/drawing/2014/main" id="{281AE1D1-28EB-756E-7AB8-1505198AA7F9}"/>
               </a:ext>
             </a:extLst>
           </p:cNvPr>
@@ -2574,7 +2574,7 @@
           <p:cNvPr id="4" name="文本占位符 3">
             <a:extLst>
               <a:ext uri="{FF2B5EF4-FFF2-40B4-BE49-F238E27FC236}">
-                <a16:creationId xmlns:a16="http://schemas.microsoft.com/office/drawing/2014/main" id="{48DD9D6C-7A28-E070-58F2-DE69B39F2CD2}"/>
+                <a16:creationId xmlns:a16="http://schemas.microsoft.com/office/drawing/2014/main" id="{926B302E-89C7-39FE-5EA0-1629D4846819}"/>
               </a:ext>
             </a:extLst>
           </p:cNvPr>
@@ -2645,7 +2645,7 @@
           <p:cNvPr id="5" name="日期占位符 4">
             <a:extLst>
               <a:ext uri="{FF2B5EF4-FFF2-40B4-BE49-F238E27FC236}">
-                <a16:creationId xmlns:a16="http://schemas.microsoft.com/office/drawing/2014/main" id="{0DBB6F4E-3F52-0141-8884-FB83C0E19CC6}"/>
+                <a16:creationId xmlns:a16="http://schemas.microsoft.com/office/drawing/2014/main" id="{407318FC-AA07-9887-14B9-8C6EA23D31E5}"/>
               </a:ext>
             </a:extLst>
           </p:cNvPr>
@@ -2661,7 +2661,7 @@
           <a:bodyPr/>
           <a:lstStyle/>
           <a:p>
-            <a:fld id="{80ADE870-FFA6-4B99-AFA2-22367C8C185E}" type="datetimeFigureOut">
+            <a:fld id="{A297D15C-81C0-42CE-B051-EF2DA58C8248}" type="datetimeFigureOut">
               <a:rPr lang="zh-CN" altLang="en-US" smtClean="0"/>
               <a:t>2024/3/10</a:t>
             </a:fld>
@@ -2674,7 +2674,7 @@
           <p:cNvPr id="6" name="页脚占位符 5">
             <a:extLst>
               <a:ext uri="{FF2B5EF4-FFF2-40B4-BE49-F238E27FC236}">
-                <a16:creationId xmlns:a16="http://schemas.microsoft.com/office/drawing/2014/main" id="{2D462388-7F73-4ED8-2194-24E43073DE2F}"/>
+                <a16:creationId xmlns:a16="http://schemas.microsoft.com/office/drawing/2014/main" id="{A4209B5C-1ECA-6683-9E60-A317CE3123ED}"/>
               </a:ext>
             </a:extLst>
           </p:cNvPr>
@@ -2699,7 +2699,7 @@
           <p:cNvPr id="7" name="灯片编号占位符 6">
             <a:extLst>
               <a:ext uri="{FF2B5EF4-FFF2-40B4-BE49-F238E27FC236}">
-                <a16:creationId xmlns:a16="http://schemas.microsoft.com/office/drawing/2014/main" id="{4718D91F-8061-A0AA-50C6-554AAF4B54A1}"/>
+                <a16:creationId xmlns:a16="http://schemas.microsoft.com/office/drawing/2014/main" id="{637ACC8B-B886-2E63-0060-DDCFDF9ECD81}"/>
               </a:ext>
             </a:extLst>
           </p:cNvPr>
@@ -2715,7 +2715,7 @@
           <a:bodyPr/>
           <a:lstStyle/>
           <a:p>
-            <a:fld id="{7843D4D4-6DEB-4559-854B-23A6C512C027}" type="slidenum">
+            <a:fld id="{33315937-2F1E-45E3-B47B-1966B4BBB08B}" type="slidenum">
               <a:rPr lang="zh-CN" altLang="en-US" smtClean="0"/>
               <a:t>‹#›</a:t>
             </a:fld>
@@ -2726,7 +2726,7 @@
     </p:spTree>
     <p:extLst>
       <p:ext uri="{BB962C8B-B14F-4D97-AF65-F5344CB8AC3E}">
-        <p14:creationId xmlns:p14="http://schemas.microsoft.com/office/powerpoint/2010/main" val="520810385"/>
+        <p14:creationId xmlns:p14="http://schemas.microsoft.com/office/powerpoint/2010/main" val="4286406625"/>
       </p:ext>
     </p:extLst>
   </p:cSld>
@@ -2763,7 +2763,7 @@
           <p:cNvPr id="2" name="标题占位符 1">
             <a:extLst>
               <a:ext uri="{FF2B5EF4-FFF2-40B4-BE49-F238E27FC236}">
-                <a16:creationId xmlns:a16="http://schemas.microsoft.com/office/drawing/2014/main" id="{F3B86E88-7A2F-5794-DFF2-C30686BB6C98}"/>
+                <a16:creationId xmlns:a16="http://schemas.microsoft.com/office/drawing/2014/main" id="{054D3EE0-70C9-3984-8381-773C316CC4DB}"/>
               </a:ext>
             </a:extLst>
           </p:cNvPr>
@@ -2801,7 +2801,7 @@
           <p:cNvPr id="3" name="文本占位符 2">
             <a:extLst>
               <a:ext uri="{FF2B5EF4-FFF2-40B4-BE49-F238E27FC236}">
-                <a16:creationId xmlns:a16="http://schemas.microsoft.com/office/drawing/2014/main" id="{EA65C25E-805D-5F87-F5F0-6EDB20662B97}"/>
+                <a16:creationId xmlns:a16="http://schemas.microsoft.com/office/drawing/2014/main" id="{3F3A10A7-22DA-18F1-98FA-C14B9E883356}"/>
               </a:ext>
             </a:extLst>
           </p:cNvPr>
@@ -2868,7 +2868,7 @@
           <p:cNvPr id="4" name="日期占位符 3">
             <a:extLst>
               <a:ext uri="{FF2B5EF4-FFF2-40B4-BE49-F238E27FC236}">
-                <a16:creationId xmlns:a16="http://schemas.microsoft.com/office/drawing/2014/main" id="{F8DD4454-A2A0-262D-9878-578F5E9C9514}"/>
+                <a16:creationId xmlns:a16="http://schemas.microsoft.com/office/drawing/2014/main" id="{0A1505EF-EE12-8B87-8561-BCA76522CBD6}"/>
               </a:ext>
             </a:extLst>
           </p:cNvPr>
@@ -2902,7 +2902,7 @@
             </a:lvl1pPr>
           </a:lstStyle>
           <a:p>
-            <a:fld id="{80ADE870-FFA6-4B99-AFA2-22367C8C185E}" type="datetimeFigureOut">
+            <a:fld id="{A297D15C-81C0-42CE-B051-EF2DA58C8248}" type="datetimeFigureOut">
               <a:rPr lang="zh-CN" altLang="en-US" smtClean="0"/>
               <a:t>2024/3/10</a:t>
             </a:fld>
@@ -2915,7 +2915,7 @@
           <p:cNvPr id="5" name="页脚占位符 4">
             <a:extLst>
               <a:ext uri="{FF2B5EF4-FFF2-40B4-BE49-F238E27FC236}">
-                <a16:creationId xmlns:a16="http://schemas.microsoft.com/office/drawing/2014/main" id="{C6EB6204-5A4B-7B9D-0CDE-825F7E805EA3}"/>
+                <a16:creationId xmlns:a16="http://schemas.microsoft.com/office/drawing/2014/main" id="{BF0244E7-2838-93E6-9FD5-F70767E1B411}"/>
               </a:ext>
             </a:extLst>
           </p:cNvPr>
@@ -2958,7 +2958,7 @@
           <p:cNvPr id="6" name="灯片编号占位符 5">
             <a:extLst>
               <a:ext uri="{FF2B5EF4-FFF2-40B4-BE49-F238E27FC236}">
-                <a16:creationId xmlns:a16="http://schemas.microsoft.com/office/drawing/2014/main" id="{BA0FCF81-172D-1BC5-3F4B-0365401BE825}"/>
+                <a16:creationId xmlns:a16="http://schemas.microsoft.com/office/drawing/2014/main" id="{18E86665-1027-EDE6-7473-7E55B5DAB68B}"/>
               </a:ext>
             </a:extLst>
           </p:cNvPr>
@@ -2992,7 +2992,7 @@
             </a:lvl1pPr>
           </a:lstStyle>
           <a:p>
-            <a:fld id="{7843D4D4-6DEB-4559-854B-23A6C512C027}" type="slidenum">
+            <a:fld id="{33315937-2F1E-45E3-B47B-1966B4BBB08B}" type="slidenum">
               <a:rPr lang="zh-CN" altLang="en-US" smtClean="0"/>
               <a:t>‹#›</a:t>
             </a:fld>
@@ -3003,7 +3003,7 @@
     </p:spTree>
     <p:extLst>
       <p:ext uri="{BB962C8B-B14F-4D97-AF65-F5344CB8AC3E}">
-        <p14:creationId xmlns:p14="http://schemas.microsoft.com/office/powerpoint/2010/main" val="1633730666"/>
+        <p14:creationId xmlns:p14="http://schemas.microsoft.com/office/powerpoint/2010/main" val="1530247890"/>
       </p:ext>
     </p:extLst>
   </p:cSld>
@@ -3323,7 +3323,7 @@
       </p:grpSpPr>
       <p:pic>
         <p:nvPicPr>
-          <p:cNvPr id="282626" name="Picture 2" descr="275"/>
+          <p:cNvPr id="283650" name="Picture 2" descr="276"/>
           <p:cNvPicPr>
             <a:picLocks noChangeAspect="1" noChangeArrowheads="1"/>
           </p:cNvPicPr>
@@ -3345,7 +3345,7 @@
         <p:spPr bwMode="auto">
           <a:xfrm>
             <a:off x="1524000" y="0"/>
-            <a:ext cx="9144000" cy="4941888"/>
+            <a:ext cx="9144000" cy="6858000"/>
           </a:xfrm>
           <a:prstGeom prst="rect">
             <a:avLst/>
